--- a/BigData_Project_Pro Serv 360.pptx
+++ b/BigData_Project_Pro Serv 360.pptx
@@ -6853,7 +6853,7 @@
             <a:buNone/>
           </a:pPr>
           <a:r>
-            <a:rPr kumimoji="0" lang="en-US" b="0" i="0" u="none" strike="noStrike" cap="none" spc="0" normalizeH="0" baseline="0" noProof="0">
+            <a:rPr kumimoji="0" lang="en-US" b="0" i="0" u="none" strike="noStrike" cap="none" spc="0" normalizeH="0" baseline="0" noProof="0" dirty="0">
               <a:effectLst/>
               <a:uLnTx/>
               <a:uFillTx/>
@@ -6863,7 +6863,7 @@
             </a:rPr>
             <a:t>Dataset: ProServ360 combined SR logs (3,119 rows; focus on 1,621 CR across 157 systems</a:t>
           </a:r>
-          <a:endParaRPr lang="en-US"/>
+          <a:endParaRPr lang="en-US" dirty="0"/>
         </a:p>
       </dgm:t>
     </dgm:pt>
@@ -7187,25 +7187,25 @@
             <a:buNone/>
           </a:pPr>
           <a:r>
-            <a:rPr lang="en-US" b="1"/>
+            <a:rPr lang="en-US" b="1" dirty="0"/>
             <a:t>PM Optimization</a:t>
           </a:r>
           <a:br>
-            <a:rPr lang="en-US"/>
+            <a:rPr lang="en-US" dirty="0"/>
           </a:br>
           <a:r>
-            <a:rPr lang="en-US"/>
+            <a:rPr lang="en-US" dirty="0"/>
             <a:t> • Apply Rule: </a:t>
           </a:r>
           <a:r>
-            <a:rPr lang="en-US" b="1"/>
+            <a:rPr lang="en-US" b="1" dirty="0"/>
             <a:t>PM Interval = 0.8 × MTBF</a:t>
           </a:r>
           <a:br>
-            <a:rPr lang="en-US"/>
+            <a:rPr lang="en-US" dirty="0"/>
           </a:br>
           <a:r>
-            <a:rPr lang="en-US"/>
+            <a:rPr lang="en-US" dirty="0"/>
             <a:t> • Aim to Reduce Unplanned Downtime</a:t>
           </a:r>
         </a:p>
@@ -7243,7 +7243,7 @@
       <dgm:spPr/>
     </dgm:pt>
     <dgm:pt modelId="{E8F90D2B-3C77-40E7-92C8-F65AEE884DC6}" type="pres">
-      <dgm:prSet presAssocID="{C9B6F6BD-4119-46AE-8516-18F8D4ED264D}" presName="node" presStyleLbl="node1" presStyleIdx="0" presStyleCnt="6" custScaleX="119171" custScaleY="127390">
+      <dgm:prSet presAssocID="{C9B6F6BD-4119-46AE-8516-18F8D4ED264D}" presName="node" presStyleLbl="node1" presStyleIdx="0" presStyleCnt="6" custScaleX="90984" custScaleY="84869">
         <dgm:presLayoutVars>
           <dgm:bulletEnabled val="1"/>
         </dgm:presLayoutVars>
@@ -7259,7 +7259,7 @@
       <dgm:spPr/>
     </dgm:pt>
     <dgm:pt modelId="{11947787-F952-491B-BC4A-88D2FDCC4EE9}" type="pres">
-      <dgm:prSet presAssocID="{52F104DF-1186-4C59-A4FF-38390B20D1C6}" presName="node" presStyleLbl="node1" presStyleIdx="1" presStyleCnt="6" custScaleX="132514" custScaleY="159289">
+      <dgm:prSet presAssocID="{52F104DF-1186-4C59-A4FF-38390B20D1C6}" presName="node" presStyleLbl="node1" presStyleIdx="1" presStyleCnt="6" custScaleX="135252" custScaleY="144161">
         <dgm:presLayoutVars>
           <dgm:bulletEnabled val="1"/>
         </dgm:presLayoutVars>
@@ -7275,7 +7275,7 @@
       <dgm:spPr/>
     </dgm:pt>
     <dgm:pt modelId="{52AA5A23-580D-4FF9-9FC9-31EBD6AD668D}" type="pres">
-      <dgm:prSet presAssocID="{A7C62900-1CF8-4F5A-B843-1BFA48DDDF61}" presName="node" presStyleLbl="node1" presStyleIdx="2" presStyleCnt="6" custScaleX="120220" custScaleY="167872">
+      <dgm:prSet presAssocID="{A7C62900-1CF8-4F5A-B843-1BFA48DDDF61}" presName="node" presStyleLbl="node1" presStyleIdx="2" presStyleCnt="6" custScaleX="120220" custScaleY="121098">
         <dgm:presLayoutVars>
           <dgm:bulletEnabled val="1"/>
         </dgm:presLayoutVars>
@@ -7291,7 +7291,7 @@
       <dgm:spPr/>
     </dgm:pt>
     <dgm:pt modelId="{807AC8F1-6FF5-462A-9723-BC3F86D4CAED}" type="pres">
-      <dgm:prSet presAssocID="{29F0969A-81A5-436B-ADAB-BCBA86F483A5}" presName="node" presStyleLbl="node1" presStyleIdx="3" presStyleCnt="6" custScaleX="116460" custScaleY="134312">
+      <dgm:prSet presAssocID="{29F0969A-81A5-436B-ADAB-BCBA86F483A5}" presName="node" presStyleLbl="node1" presStyleIdx="3" presStyleCnt="6" custScaleX="116460" custScaleY="104713">
         <dgm:presLayoutVars>
           <dgm:bulletEnabled val="1"/>
         </dgm:presLayoutVars>
@@ -7307,7 +7307,7 @@
       <dgm:spPr/>
     </dgm:pt>
     <dgm:pt modelId="{90AD5141-4B4F-4DA3-B90F-F7893A94C6F5}" type="pres">
-      <dgm:prSet presAssocID="{505D0955-C562-4594-ABC3-7869D36FD2F0}" presName="node" presStyleLbl="node1" presStyleIdx="4" presStyleCnt="6" custScaleX="115426" custScaleY="226990">
+      <dgm:prSet presAssocID="{505D0955-C562-4594-ABC3-7869D36FD2F0}" presName="node" presStyleLbl="node1" presStyleIdx="4" presStyleCnt="6" custScaleX="115426" custScaleY="155262">
         <dgm:presLayoutVars>
           <dgm:bulletEnabled val="1"/>
         </dgm:presLayoutVars>
@@ -9636,8 +9636,8 @@
       </dsp:nvSpPr>
       <dsp:spPr>
         <a:xfrm>
-          <a:off x="2365055" y="1185208"/>
-          <a:ext cx="425317" cy="91440"/>
+          <a:off x="2021064" y="1478935"/>
+          <a:ext cx="477917" cy="91440"/>
         </a:xfrm>
         <a:custGeom>
           <a:avLst/>
@@ -9651,7 +9651,7 @@
                 <a:pt x="0" y="45720"/>
               </a:moveTo>
               <a:lnTo>
-                <a:pt x="425317" y="45720"/>
+                <a:pt x="477917" y="45720"/>
               </a:lnTo>
             </a:path>
           </a:pathLst>
@@ -9705,8 +9705,8 @@
         </a:p>
       </dsp:txBody>
       <dsp:txXfrm>
-        <a:off x="2566316" y="1228646"/>
-        <a:ext cx="22795" cy="4563"/>
+        <a:off x="2247309" y="1522110"/>
+        <a:ext cx="25425" cy="5090"/>
       </dsp:txXfrm>
     </dsp:sp>
     <dsp:sp modelId="{E8F90D2B-3C77-40E7-92C8-F65AEE884DC6}">
@@ -9716,8 +9716,8 @@
       </dsp:nvSpPr>
       <dsp:spPr>
         <a:xfrm>
-          <a:off x="4586" y="473371"/>
-          <a:ext cx="2362268" cy="1515113"/>
+          <a:off x="11258" y="961733"/>
+          <a:ext cx="2011605" cy="1125843"/>
         </a:xfrm>
         <a:prstGeom prst="rect">
           <a:avLst/>
@@ -9758,7 +9758,7 @@
         </a:fontRef>
       </dsp:style>
       <dsp:txBody>
-        <a:bodyPr spcFirstLastPara="0" vert="horz" wrap="square" lIns="97132" tIns="101957" rIns="97132" bIns="101957" numCol="1" spcCol="1270" anchor="ctr" anchorCtr="0">
+        <a:bodyPr spcFirstLastPara="0" vert="horz" wrap="square" lIns="108338" tIns="113720" rIns="108338" bIns="113720" numCol="1" spcCol="1270" anchor="ctr" anchorCtr="0">
           <a:noAutofit/>
         </a:bodyPr>
         <a:lstStyle/>
@@ -9776,7 +9776,7 @@
             <a:buNone/>
           </a:pPr>
           <a:r>
-            <a:rPr kumimoji="0" lang="en-US" sz="1200" b="0" i="0" u="none" strike="noStrike" kern="1200" cap="none" spc="0" normalizeH="0" baseline="0" noProof="0">
+            <a:rPr kumimoji="0" lang="en-US" sz="1200" b="0" i="0" u="none" strike="noStrike" kern="1200" cap="none" spc="0" normalizeH="0" baseline="0" noProof="0" dirty="0">
               <a:effectLst/>
               <a:uLnTx/>
               <a:uFillTx/>
@@ -9786,12 +9786,12 @@
             </a:rPr>
             <a:t>Dataset: ProServ360 combined SR logs (3,119 rows; focus on 1,621 CR across 157 systems</a:t>
           </a:r>
-          <a:endParaRPr lang="en-US" sz="1200" kern="1200"/>
+          <a:endParaRPr lang="en-US" sz="1200" kern="1200" dirty="0"/>
         </a:p>
       </dsp:txBody>
       <dsp:txXfrm>
-        <a:off x="4586" y="473371"/>
-        <a:ext cx="2362268" cy="1515113"/>
+        <a:off x="11258" y="961733"/>
+        <a:ext cx="2011605" cy="1125843"/>
       </dsp:txXfrm>
     </dsp:sp>
     <dsp:sp modelId="{A244023E-AE31-4314-A86F-4AA0A201C794}">
@@ -9801,8 +9801,8 @@
       </dsp:nvSpPr>
       <dsp:spPr>
         <a:xfrm>
-          <a:off x="5447733" y="1185208"/>
-          <a:ext cx="425317" cy="91440"/>
+          <a:off x="5519927" y="1478935"/>
+          <a:ext cx="477917" cy="91440"/>
         </a:xfrm>
         <a:custGeom>
           <a:avLst/>
@@ -9816,7 +9816,7 @@
                 <a:pt x="0" y="45720"/>
               </a:moveTo>
               <a:lnTo>
-                <a:pt x="425317" y="45720"/>
+                <a:pt x="477917" y="45720"/>
               </a:lnTo>
             </a:path>
           </a:pathLst>
@@ -9870,8 +9870,8 @@
         </a:p>
       </dsp:txBody>
       <dsp:txXfrm>
-        <a:off x="5648994" y="1228646"/>
-        <a:ext cx="22795" cy="4563"/>
+        <a:off x="5746172" y="1522110"/>
+        <a:ext cx="25425" cy="5090"/>
       </dsp:txXfrm>
     </dsp:sp>
     <dsp:sp modelId="{11947787-F952-491B-BC4A-88D2FDCC4EE9}">
@@ -9881,8 +9881,8 @@
       </dsp:nvSpPr>
       <dsp:spPr>
         <a:xfrm>
-          <a:off x="2822772" y="283675"/>
-          <a:ext cx="2626760" cy="1894504"/>
+          <a:off x="2531381" y="568459"/>
+          <a:ext cx="2990345" cy="1912391"/>
         </a:xfrm>
         <a:prstGeom prst="rect">
           <a:avLst/>
@@ -9923,7 +9923,7 @@
         </a:fontRef>
       </dsp:style>
       <dsp:txBody>
-        <a:bodyPr spcFirstLastPara="0" vert="horz" wrap="square" lIns="97132" tIns="101957" rIns="97132" bIns="101957" numCol="1" spcCol="1270" anchor="ctr" anchorCtr="0">
+        <a:bodyPr spcFirstLastPara="0" vert="horz" wrap="square" lIns="108338" tIns="113720" rIns="108338" bIns="113720" numCol="1" spcCol="1270" anchor="ctr" anchorCtr="0">
           <a:noAutofit/>
         </a:bodyPr>
         <a:lstStyle/>
@@ -10012,8 +10012,8 @@
         </a:p>
       </dsp:txBody>
       <dsp:txXfrm>
-        <a:off x="2822772" y="283675"/>
-        <a:ext cx="2626760" cy="1894504"/>
+        <a:off x="2531381" y="568459"/>
+        <a:ext cx="2990345" cy="1912391"/>
       </dsp:txXfrm>
     </dsp:sp>
     <dsp:sp modelId="{AFBDB554-116C-4474-A452-EC476967531A}">
@@ -10023,8 +10023,8 @@
       </dsp:nvSpPr>
       <dsp:spPr>
         <a:xfrm>
-          <a:off x="1158851" y="2227421"/>
-          <a:ext cx="5938131" cy="976451"/>
+          <a:off x="1298691" y="2326078"/>
+          <a:ext cx="6060551" cy="966173"/>
         </a:xfrm>
         <a:custGeom>
           <a:avLst/>
@@ -10035,16 +10035,16 @@
           <a:pathLst>
             <a:path>
               <a:moveTo>
-                <a:pt x="5938131" y="0"/>
+                <a:pt x="6060551" y="0"/>
               </a:moveTo>
               <a:lnTo>
-                <a:pt x="5938131" y="505325"/>
+                <a:pt x="6060551" y="500186"/>
               </a:lnTo>
               <a:lnTo>
-                <a:pt x="0" y="505325"/>
+                <a:pt x="0" y="500186"/>
               </a:lnTo>
               <a:lnTo>
-                <a:pt x="0" y="976451"/>
+                <a:pt x="0" y="966173"/>
               </a:lnTo>
             </a:path>
           </a:pathLst>
@@ -10098,8 +10098,8 @@
         </a:p>
       </dsp:txBody>
       <dsp:txXfrm>
-        <a:off x="3977343" y="2713365"/>
-        <a:ext cx="301145" cy="4563"/>
+        <a:off x="4175417" y="2806619"/>
+        <a:ext cx="307098" cy="5090"/>
       </dsp:txXfrm>
     </dsp:sp>
     <dsp:sp modelId="{52AA5A23-580D-4FF9-9FC9-31EBD6AD668D}">
@@ -10109,8 +10109,8 @@
       </dsp:nvSpPr>
       <dsp:spPr>
         <a:xfrm>
-          <a:off x="5905451" y="232634"/>
-          <a:ext cx="2383062" cy="1996586"/>
+          <a:off x="6030244" y="721432"/>
+          <a:ext cx="2657996" cy="1606445"/>
         </a:xfrm>
         <a:prstGeom prst="rect">
           <a:avLst/>
@@ -10151,7 +10151,7 @@
         </a:fontRef>
       </dsp:style>
       <dsp:txBody>
-        <a:bodyPr spcFirstLastPara="0" vert="horz" wrap="square" lIns="97132" tIns="101957" rIns="97132" bIns="101957" numCol="1" spcCol="1270" anchor="ctr" anchorCtr="0">
+        <a:bodyPr spcFirstLastPara="0" vert="horz" wrap="square" lIns="108338" tIns="113720" rIns="108338" bIns="113720" numCol="1" spcCol="1270" anchor="ctr" anchorCtr="0">
           <a:noAutofit/>
         </a:bodyPr>
         <a:lstStyle/>
@@ -10198,8 +10198,8 @@
         </a:p>
       </dsp:txBody>
       <dsp:txXfrm>
-        <a:off x="5905451" y="232634"/>
-        <a:ext cx="2383062" cy="1996586"/>
+        <a:off x="6030244" y="721432"/>
+        <a:ext cx="2657996" cy="1606445"/>
       </dsp:txXfrm>
     </dsp:sp>
     <dsp:sp modelId="{659E8F9B-2BBA-4D8D-A778-AC52DD37DD8F}">
@@ -10209,8 +10209,8 @@
       </dsp:nvSpPr>
       <dsp:spPr>
         <a:xfrm>
-          <a:off x="2311316" y="3989273"/>
-          <a:ext cx="425317" cy="91440"/>
+          <a:off x="2584324" y="3973475"/>
+          <a:ext cx="477917" cy="91440"/>
         </a:xfrm>
         <a:custGeom>
           <a:avLst/>
@@ -10224,7 +10224,7 @@
                 <a:pt x="0" y="45720"/>
               </a:moveTo>
               <a:lnTo>
-                <a:pt x="425317" y="45720"/>
+                <a:pt x="477917" y="45720"/>
               </a:lnTo>
             </a:path>
           </a:pathLst>
@@ -10278,8 +10278,8 @@
         </a:p>
       </dsp:txBody>
       <dsp:txXfrm>
-        <a:off x="2512577" y="4032711"/>
-        <a:ext cx="22795" cy="4563"/>
+        <a:off x="2810569" y="4016650"/>
+        <a:ext cx="25425" cy="5090"/>
       </dsp:txXfrm>
     </dsp:sp>
     <dsp:sp modelId="{807AC8F1-6FF5-462A-9723-BC3F86D4CAED}">
@@ -10289,8 +10289,8 @@
       </dsp:nvSpPr>
       <dsp:spPr>
         <a:xfrm>
-          <a:off x="4586" y="3236272"/>
-          <a:ext cx="2308529" cy="1597440"/>
+          <a:off x="11258" y="3324651"/>
+          <a:ext cx="2574865" cy="1389087"/>
         </a:xfrm>
         <a:prstGeom prst="rect">
           <a:avLst/>
@@ -10331,7 +10331,7 @@
         </a:fontRef>
       </dsp:style>
       <dsp:txBody>
-        <a:bodyPr spcFirstLastPara="0" vert="horz" wrap="square" lIns="97132" tIns="101957" rIns="97132" bIns="101957" numCol="1" spcCol="1270" anchor="ctr" anchorCtr="0">
+        <a:bodyPr spcFirstLastPara="0" vert="horz" wrap="square" lIns="108338" tIns="113720" rIns="108338" bIns="113720" numCol="1" spcCol="1270" anchor="ctr" anchorCtr="0">
           <a:noAutofit/>
         </a:bodyPr>
         <a:lstStyle/>
@@ -10349,32 +10349,32 @@
             <a:buNone/>
           </a:pPr>
           <a:r>
-            <a:rPr lang="en-US" sz="1200" b="1" kern="1200"/>
+            <a:rPr lang="en-US" sz="1200" b="1" kern="1200" dirty="0"/>
             <a:t>PM Optimization</a:t>
           </a:r>
           <a:br>
-            <a:rPr lang="en-US" sz="1200" kern="1200"/>
+            <a:rPr lang="en-US" sz="1200" kern="1200" dirty="0"/>
           </a:br>
           <a:r>
-            <a:rPr lang="en-US" sz="1200" kern="1200"/>
+            <a:rPr lang="en-US" sz="1200" kern="1200" dirty="0"/>
             <a:t> • Apply Rule: </a:t>
           </a:r>
           <a:r>
-            <a:rPr lang="en-US" sz="1200" b="1" kern="1200"/>
+            <a:rPr lang="en-US" sz="1200" b="1" kern="1200" dirty="0"/>
             <a:t>PM Interval = 0.8 × MTBF</a:t>
           </a:r>
           <a:br>
-            <a:rPr lang="en-US" sz="1200" kern="1200"/>
+            <a:rPr lang="en-US" sz="1200" kern="1200" dirty="0"/>
           </a:br>
           <a:r>
-            <a:rPr lang="en-US" sz="1200" kern="1200"/>
+            <a:rPr lang="en-US" sz="1200" kern="1200" dirty="0"/>
             <a:t> • Aim to Reduce Unplanned Downtime</a:t>
           </a:r>
         </a:p>
       </dsp:txBody>
       <dsp:txXfrm>
-        <a:off x="4586" y="3236272"/>
-        <a:ext cx="2308529" cy="1597440"/>
+        <a:off x="11258" y="3324651"/>
+        <a:ext cx="2574865" cy="1389087"/>
       </dsp:txXfrm>
     </dsp:sp>
     <dsp:sp modelId="{D7D72B05-26C2-4249-81EE-552E487F17B1}">
@@ -10384,8 +10384,8 @@
       </dsp:nvSpPr>
       <dsp:spPr>
         <a:xfrm>
-          <a:off x="5055267" y="3989273"/>
-          <a:ext cx="425317" cy="91440"/>
+          <a:off x="5644845" y="3973475"/>
+          <a:ext cx="477917" cy="91440"/>
         </a:xfrm>
         <a:custGeom>
           <a:avLst/>
@@ -10399,7 +10399,7 @@
                 <a:pt x="0" y="45720"/>
               </a:moveTo>
               <a:lnTo>
-                <a:pt x="425317" y="45720"/>
+                <a:pt x="477917" y="45720"/>
               </a:lnTo>
             </a:path>
           </a:pathLst>
@@ -10453,8 +10453,8 @@
         </a:p>
       </dsp:txBody>
       <dsp:txXfrm>
-        <a:off x="5256528" y="4032711"/>
-        <a:ext cx="22795" cy="4563"/>
+        <a:off x="5871091" y="4016650"/>
+        <a:ext cx="25425" cy="5090"/>
       </dsp:txXfrm>
     </dsp:sp>
     <dsp:sp modelId="{90AD5141-4B4F-4DA3-B90F-F7893A94C6F5}">
@@ -10464,8 +10464,8 @@
       </dsp:nvSpPr>
       <dsp:spPr>
         <a:xfrm>
-          <a:off x="2769034" y="2685139"/>
-          <a:ext cx="2288033" cy="2699707"/>
+          <a:off x="3094641" y="2989368"/>
+          <a:ext cx="2552004" cy="2059653"/>
         </a:xfrm>
         <a:prstGeom prst="rect">
           <a:avLst/>
@@ -10506,7 +10506,7 @@
         </a:fontRef>
       </dsp:style>
       <dsp:txBody>
-        <a:bodyPr spcFirstLastPara="0" vert="horz" wrap="square" lIns="97132" tIns="101957" rIns="97132" bIns="101957" numCol="1" spcCol="1270" anchor="ctr" anchorCtr="0">
+        <a:bodyPr spcFirstLastPara="0" vert="horz" wrap="square" lIns="108338" tIns="113720" rIns="108338" bIns="113720" numCol="1" spcCol="1270" anchor="ctr" anchorCtr="0">
           <a:noAutofit/>
         </a:bodyPr>
         <a:lstStyle/>
@@ -10610,8 +10610,8 @@
         </a:p>
       </dsp:txBody>
       <dsp:txXfrm>
-        <a:off x="2769034" y="2685139"/>
-        <a:ext cx="2288033" cy="2699707"/>
+        <a:off x="3094641" y="2989368"/>
+        <a:ext cx="2552004" cy="2059653"/>
       </dsp:txXfrm>
     </dsp:sp>
     <dsp:sp modelId="{6C7963B3-B50F-4516-A073-B7E90363F928}">
@@ -10621,8 +10621,8 @@
       </dsp:nvSpPr>
       <dsp:spPr>
         <a:xfrm>
-          <a:off x="5512985" y="3440317"/>
-          <a:ext cx="1982251" cy="1189350"/>
+          <a:off x="6155162" y="3355912"/>
+          <a:ext cx="2210943" cy="1326566"/>
         </a:xfrm>
         <a:prstGeom prst="rect">
           <a:avLst/>
@@ -10663,7 +10663,7 @@
         </a:fontRef>
       </dsp:style>
       <dsp:txBody>
-        <a:bodyPr spcFirstLastPara="0" vert="horz" wrap="square" lIns="97132" tIns="101957" rIns="97132" bIns="101957" numCol="1" spcCol="1270" anchor="ctr" anchorCtr="0">
+        <a:bodyPr spcFirstLastPara="0" vert="horz" wrap="square" lIns="108338" tIns="113720" rIns="108338" bIns="113720" numCol="1" spcCol="1270" anchor="ctr" anchorCtr="0">
           <a:noAutofit/>
         </a:bodyPr>
         <a:lstStyle/>
@@ -10698,8 +10698,8 @@
         </a:p>
       </dsp:txBody>
       <dsp:txXfrm>
-        <a:off x="5512985" y="3440317"/>
-        <a:ext cx="1982251" cy="1189350"/>
+        <a:off x="6155162" y="3355912"/>
+        <a:ext cx="2210943" cy="1326566"/>
       </dsp:txXfrm>
     </dsp:sp>
   </dsp:spTree>
@@ -18880,7 +18880,7 @@
           <a:p>
             <a:fld id="{FA75BB25-070F-4DA3-8713-C968ED3D7829}" type="datetimeFigureOut">
               <a:rPr lang="en-US" smtClean="0"/>
-              <a:t>10/24/2025</a:t>
+              <a:t>10/25/2025</a:t>
             </a:fld>
             <a:endParaRPr lang="en-US"/>
           </a:p>
@@ -20904,9 +20904,9 @@
           <a:bodyPr/>
           <a:lstStyle/>
           <a:p>
-            <a:fld id="{5763CF2A-F7C8-432D-8451-04E9C0F34C8C}" type="datetime1">
+            <a:fld id="{2074F477-5EEC-42AB-AB5D-80D2F45A2652}" type="datetime1">
               <a:rPr lang="en-US" smtClean="0"/>
-              <a:t>10/24/2025</a:t>
+              <a:t>10/25/2025</a:t>
             </a:fld>
             <a:endParaRPr lang="en-US"/>
           </a:p>
@@ -21072,9 +21072,9 @@
           <a:bodyPr/>
           <a:lstStyle/>
           <a:p>
-            <a:fld id="{2D82034E-2E9B-499D-9D8A-9930AC9C0814}" type="datetime1">
+            <a:fld id="{A9D5DFC3-B383-4B09-AD79-E076DA4B0D1B}" type="datetime1">
               <a:rPr lang="en-US" smtClean="0"/>
-              <a:t>10/24/2025</a:t>
+              <a:t>10/25/2025</a:t>
             </a:fld>
             <a:endParaRPr lang="en-US"/>
           </a:p>
@@ -21250,9 +21250,9 @@
           <a:bodyPr/>
           <a:lstStyle/>
           <a:p>
-            <a:fld id="{A6854310-A3C7-41E7-A4D8-6BDBE912492C}" type="datetime1">
+            <a:fld id="{0FC727AC-6C38-4178-843A-E84246A04FFF}" type="datetime1">
               <a:rPr lang="en-US" smtClean="0"/>
-              <a:t>10/24/2025</a:t>
+              <a:t>10/25/2025</a:t>
             </a:fld>
             <a:endParaRPr lang="en-US"/>
           </a:p>
@@ -21418,9 +21418,9 @@
           <a:bodyPr/>
           <a:lstStyle/>
           <a:p>
-            <a:fld id="{233A2C9E-E307-4094-BAD3-F217A8EE671D}" type="datetime1">
+            <a:fld id="{7B8F7A9C-3CED-4417-B97B-738850A4C8F3}" type="datetime1">
               <a:rPr lang="en-US" smtClean="0"/>
-              <a:t>10/24/2025</a:t>
+              <a:t>10/25/2025</a:t>
             </a:fld>
             <a:endParaRPr lang="en-US"/>
           </a:p>
@@ -21663,9 +21663,9 @@
           <a:bodyPr/>
           <a:lstStyle/>
           <a:p>
-            <a:fld id="{2E134C36-7B5A-4A05-8451-D1C61F2F6213}" type="datetime1">
+            <a:fld id="{D20B4457-0975-4A10-B6E1-8B28855E3EAA}" type="datetime1">
               <a:rPr lang="en-US" smtClean="0"/>
-              <a:t>10/24/2025</a:t>
+              <a:t>10/25/2025</a:t>
             </a:fld>
             <a:endParaRPr lang="en-US"/>
           </a:p>
@@ -21948,9 +21948,9 @@
           <a:bodyPr/>
           <a:lstStyle/>
           <a:p>
-            <a:fld id="{C1374925-0B4C-4E03-8A34-181724A9CDAF}" type="datetime1">
+            <a:fld id="{394E205D-81B6-446C-994C-F6CE759CD37B}" type="datetime1">
               <a:rPr lang="en-US" smtClean="0"/>
-              <a:t>10/24/2025</a:t>
+              <a:t>10/25/2025</a:t>
             </a:fld>
             <a:endParaRPr lang="en-US"/>
           </a:p>
@@ -22367,9 +22367,9 @@
           <a:bodyPr/>
           <a:lstStyle/>
           <a:p>
-            <a:fld id="{D1135D9C-F8FD-4F6D-B522-39AE2A6E6D4C}" type="datetime1">
+            <a:fld id="{CF0626C0-935A-4EFF-B361-8C9053A32928}" type="datetime1">
               <a:rPr lang="en-US" smtClean="0"/>
-              <a:t>10/24/2025</a:t>
+              <a:t>10/25/2025</a:t>
             </a:fld>
             <a:endParaRPr lang="en-US"/>
           </a:p>
@@ -22484,9 +22484,9 @@
           <a:bodyPr/>
           <a:lstStyle/>
           <a:p>
-            <a:fld id="{E53ABEBC-D526-4454-9B81-BA916E95AA65}" type="datetime1">
+            <a:fld id="{0D90E2B0-24F5-47FE-A443-A658901A3CFD}" type="datetime1">
               <a:rPr lang="en-US" smtClean="0"/>
-              <a:t>10/24/2025</a:t>
+              <a:t>10/25/2025</a:t>
             </a:fld>
             <a:endParaRPr lang="en-US"/>
           </a:p>
@@ -22579,9 +22579,9 @@
           <a:bodyPr/>
           <a:lstStyle/>
           <a:p>
-            <a:fld id="{466B78F3-0FB8-4DAA-8EF8-1633B975AF8D}" type="datetime1">
+            <a:fld id="{220CBA11-678E-4B2B-BFCB-74EB6A5010E1}" type="datetime1">
               <a:rPr lang="en-US" smtClean="0"/>
-              <a:t>10/24/2025</a:t>
+              <a:t>10/25/2025</a:t>
             </a:fld>
             <a:endParaRPr lang="en-US"/>
           </a:p>
@@ -22854,9 +22854,9 @@
           <a:bodyPr/>
           <a:lstStyle/>
           <a:p>
-            <a:fld id="{875B48A8-D57D-44B3-81C1-7345DF294F62}" type="datetime1">
+            <a:fld id="{F965313C-9DE9-496B-BD79-959ADCB8C3B0}" type="datetime1">
               <a:rPr lang="en-US" smtClean="0"/>
-              <a:t>10/24/2025</a:t>
+              <a:t>10/25/2025</a:t>
             </a:fld>
             <a:endParaRPr lang="en-US"/>
           </a:p>
@@ -23106,9 +23106,9 @@
           <a:bodyPr/>
           <a:lstStyle/>
           <a:p>
-            <a:fld id="{DAC0A602-4E04-4B77-926A-7CCFF3CCB7C0}" type="datetime1">
+            <a:fld id="{8EAE9E7B-C6B2-420B-833A-0F97D1A7A51B}" type="datetime1">
               <a:rPr lang="en-US" smtClean="0"/>
-              <a:t>10/24/2025</a:t>
+              <a:t>10/25/2025</a:t>
             </a:fld>
             <a:endParaRPr lang="en-US"/>
           </a:p>
@@ -23317,9 +23317,9 @@
             </a:lvl1pPr>
           </a:lstStyle>
           <a:p>
-            <a:fld id="{7EA4CD1F-D0D4-4E68-B903-2A029D319F92}" type="datetime1">
+            <a:fld id="{7D30096F-E924-400D-8156-B185C965766B}" type="datetime1">
               <a:rPr lang="en-US" smtClean="0"/>
-              <a:t>10/24/2025</a:t>
+              <a:t>10/25/2025</a:t>
             </a:fld>
             <a:endParaRPr lang="en-US"/>
           </a:p>
@@ -24636,8 +24636,8 @@
         </p:nvSpPr>
         <p:spPr>
           <a:xfrm>
-            <a:off x="628650" y="365126"/>
-            <a:ext cx="7886700" cy="774246"/>
+            <a:off x="406400" y="233136"/>
+            <a:ext cx="8515350" cy="774246"/>
           </a:xfrm>
         </p:spPr>
         <p:txBody>
@@ -24721,14 +24721,14 @@
           <p:nvPr>
             <p:extLst>
               <p:ext uri="{D42A27DB-BD31-4B8C-83A1-F6EECF244321}">
-                <p14:modId xmlns:p14="http://schemas.microsoft.com/office/powerpoint/2010/main" val="3746370062"/>
+                <p14:modId xmlns:p14="http://schemas.microsoft.com/office/powerpoint/2010/main" val="806619773"/>
               </p:ext>
             </p:extLst>
           </p:nvPr>
         </p:nvGraphicFramePr>
         <p:xfrm>
-          <a:off x="222250" y="602344"/>
-          <a:ext cx="8293100" cy="5617482"/>
+          <a:off x="222250" y="620259"/>
+          <a:ext cx="8699500" cy="5617482"/>
         </p:xfrm>
         <a:graphic>
           <a:graphicData uri="http://schemas.openxmlformats.org/drawingml/2006/diagram">
@@ -25235,7 +25235,7 @@
             <p:ph idx="1"/>
             <p:extLst>
               <p:ext uri="{D42A27DB-BD31-4B8C-83A1-F6EECF244321}">
-                <p14:modId xmlns:p14="http://schemas.microsoft.com/office/powerpoint/2010/main" val="3107309377"/>
+                <p14:modId xmlns:p14="http://schemas.microsoft.com/office/powerpoint/2010/main" val="1802241167"/>
               </p:ext>
             </p:extLst>
           </p:nvPr>
@@ -26455,6 +26455,35 @@
           </a:effectLst>
         </p:spPr>
       </p:pic>
+      <p:sp>
+        <p:nvSpPr>
+          <p:cNvPr id="4" name="Slide Number Placeholder 3">
+            <a:extLst>
+              <a:ext uri="{FF2B5EF4-FFF2-40B4-BE49-F238E27FC236}">
+                <a16:creationId xmlns:a16="http://schemas.microsoft.com/office/drawing/2014/main" id="{C721CA02-6510-9EFD-ECAE-83BF32192967}"/>
+              </a:ext>
+            </a:extLst>
+          </p:cNvPr>
+          <p:cNvSpPr>
+            <a:spLocks noGrp="1"/>
+          </p:cNvSpPr>
+          <p:nvPr>
+            <p:ph type="sldNum" sz="quarter" idx="12"/>
+          </p:nvPr>
+        </p:nvSpPr>
+        <p:spPr/>
+        <p:txBody>
+          <a:bodyPr/>
+          <a:lstStyle/>
+          <a:p>
+            <a:fld id="{C1FF6DA9-008F-8B48-92A6-B652298478BF}" type="slidenum">
+              <a:rPr lang="en-US" smtClean="0"/>
+              <a:t>13</a:t>
+            </a:fld>
+            <a:endParaRPr lang="en-US"/>
+          </a:p>
+        </p:txBody>
+      </p:sp>
     </p:spTree>
   </p:cSld>
   <p:clrMapOvr>
@@ -26571,6 +26600,35 @@
           </a:p>
         </p:txBody>
       </p:sp>
+      <p:sp>
+        <p:nvSpPr>
+          <p:cNvPr id="5" name="Slide Number Placeholder 4">
+            <a:extLst>
+              <a:ext uri="{FF2B5EF4-FFF2-40B4-BE49-F238E27FC236}">
+                <a16:creationId xmlns:a16="http://schemas.microsoft.com/office/drawing/2014/main" id="{9F6A912D-4C4B-3C23-D365-3557FBBD87E8}"/>
+              </a:ext>
+            </a:extLst>
+          </p:cNvPr>
+          <p:cNvSpPr>
+            <a:spLocks noGrp="1"/>
+          </p:cNvSpPr>
+          <p:nvPr>
+            <p:ph type="sldNum" sz="quarter" idx="12"/>
+          </p:nvPr>
+        </p:nvSpPr>
+        <p:spPr/>
+        <p:txBody>
+          <a:bodyPr/>
+          <a:lstStyle/>
+          <a:p>
+            <a:fld id="{C1FF6DA9-008F-8B48-92A6-B652298478BF}" type="slidenum">
+              <a:rPr lang="en-US" smtClean="0"/>
+              <a:t>14</a:t>
+            </a:fld>
+            <a:endParaRPr lang="en-US"/>
+          </a:p>
+        </p:txBody>
+      </p:sp>
     </p:spTree>
   </p:cSld>
   <p:clrMapOvr>
@@ -26679,6 +26737,35 @@
           </a:p>
         </p:txBody>
       </p:sp>
+      <p:sp>
+        <p:nvSpPr>
+          <p:cNvPr id="5" name="Slide Number Placeholder 4">
+            <a:extLst>
+              <a:ext uri="{FF2B5EF4-FFF2-40B4-BE49-F238E27FC236}">
+                <a16:creationId xmlns:a16="http://schemas.microsoft.com/office/drawing/2014/main" id="{56B6725B-FA13-26BA-124D-E2C973A31B5B}"/>
+              </a:ext>
+            </a:extLst>
+          </p:cNvPr>
+          <p:cNvSpPr>
+            <a:spLocks noGrp="1"/>
+          </p:cNvSpPr>
+          <p:nvPr>
+            <p:ph type="sldNum" sz="quarter" idx="12"/>
+          </p:nvPr>
+        </p:nvSpPr>
+        <p:spPr/>
+        <p:txBody>
+          <a:bodyPr/>
+          <a:lstStyle/>
+          <a:p>
+            <a:fld id="{C1FF6DA9-008F-8B48-92A6-B652298478BF}" type="slidenum">
+              <a:rPr lang="en-US" smtClean="0"/>
+              <a:t>15</a:t>
+            </a:fld>
+            <a:endParaRPr lang="en-US"/>
+          </a:p>
+        </p:txBody>
+      </p:sp>
     </p:spTree>
   </p:cSld>
   <p:clrMapOvr>
@@ -26760,7 +26847,7 @@
         </p:nvSpPr>
         <p:spPr>
           <a:xfrm>
-            <a:off x="548640" y="6309360"/>
+            <a:off x="457200" y="5990272"/>
             <a:ext cx="8412480" cy="548640"/>
           </a:xfrm>
           <a:prstGeom prst="rect">
@@ -26782,8 +26869,38 @@
               </a:defRPr>
             </a:pPr>
             <a:r>
+              <a:rPr dirty="0"/>
               <a:t>Random Forest best R² (−0.097), accuracy≤2h: XGB 31.8%, RF 23.1%, GBR 31.0%. (Room to improve features)</a:t>
             </a:r>
+          </a:p>
+        </p:txBody>
+      </p:sp>
+      <p:sp>
+        <p:nvSpPr>
+          <p:cNvPr id="5" name="Slide Number Placeholder 4">
+            <a:extLst>
+              <a:ext uri="{FF2B5EF4-FFF2-40B4-BE49-F238E27FC236}">
+                <a16:creationId xmlns:a16="http://schemas.microsoft.com/office/drawing/2014/main" id="{F0B8EBB5-8269-666A-DFB2-D333E3A7CF9E}"/>
+              </a:ext>
+            </a:extLst>
+          </p:cNvPr>
+          <p:cNvSpPr>
+            <a:spLocks noGrp="1"/>
+          </p:cNvSpPr>
+          <p:nvPr>
+            <p:ph type="sldNum" sz="quarter" idx="12"/>
+          </p:nvPr>
+        </p:nvSpPr>
+        <p:spPr/>
+        <p:txBody>
+          <a:bodyPr/>
+          <a:lstStyle/>
+          <a:p>
+            <a:fld id="{C1FF6DA9-008F-8B48-92A6-B652298478BF}" type="slidenum">
+              <a:rPr lang="en-US" smtClean="0"/>
+              <a:t>16</a:t>
+            </a:fld>
+            <a:endParaRPr lang="en-US"/>
           </a:p>
         </p:txBody>
       </p:sp>
@@ -26868,8 +26985,8 @@
         </p:nvSpPr>
         <p:spPr>
           <a:xfrm>
-            <a:off x="548640" y="6309360"/>
-            <a:ext cx="8412480" cy="548640"/>
+            <a:off x="167640" y="6155153"/>
+            <a:ext cx="8976360" cy="307777"/>
           </a:xfrm>
           <a:prstGeom prst="rect">
             <a:avLst/>
@@ -26877,7 +26994,7 @@
           <a:noFill/>
         </p:spPr>
         <p:txBody>
-          <a:bodyPr wrap="none">
+          <a:bodyPr wrap="square">
             <a:spAutoFit/>
           </a:bodyPr>
           <a:lstStyle/>
@@ -26893,6 +27010,35 @@
               <a:rPr dirty="0"/>
               <a:t>Avg MTBF 2,482h (median 2,101h). Risk distribution: HIGH=90, MEDIUM=17, LOW=38. Mean prediction accuracy ~72%.</a:t>
             </a:r>
+          </a:p>
+        </p:txBody>
+      </p:sp>
+      <p:sp>
+        <p:nvSpPr>
+          <p:cNvPr id="5" name="Slide Number Placeholder 4">
+            <a:extLst>
+              <a:ext uri="{FF2B5EF4-FFF2-40B4-BE49-F238E27FC236}">
+                <a16:creationId xmlns:a16="http://schemas.microsoft.com/office/drawing/2014/main" id="{836DE28D-E50E-0DE9-119A-B2C5C8D57B9B}"/>
+              </a:ext>
+            </a:extLst>
+          </p:cNvPr>
+          <p:cNvSpPr>
+            <a:spLocks noGrp="1"/>
+          </p:cNvSpPr>
+          <p:nvPr>
+            <p:ph type="sldNum" sz="quarter" idx="12"/>
+          </p:nvPr>
+        </p:nvSpPr>
+        <p:spPr/>
+        <p:txBody>
+          <a:bodyPr/>
+          <a:lstStyle/>
+          <a:p>
+            <a:fld id="{C1FF6DA9-008F-8B48-92A6-B652298478BF}" type="slidenum">
+              <a:rPr lang="en-US" smtClean="0"/>
+              <a:t>17</a:t>
+            </a:fld>
+            <a:endParaRPr lang="en-US"/>
           </a:p>
         </p:txBody>
       </p:sp>
@@ -28315,6 +28461,35 @@
           </a:p>
         </p:txBody>
       </p:sp>
+      <p:sp>
+        <p:nvSpPr>
+          <p:cNvPr id="4" name="Slide Number Placeholder 3">
+            <a:extLst>
+              <a:ext uri="{FF2B5EF4-FFF2-40B4-BE49-F238E27FC236}">
+                <a16:creationId xmlns:a16="http://schemas.microsoft.com/office/drawing/2014/main" id="{767E1B2B-D59A-ECF6-5075-2C839B372F58}"/>
+              </a:ext>
+            </a:extLst>
+          </p:cNvPr>
+          <p:cNvSpPr>
+            <a:spLocks noGrp="1"/>
+          </p:cNvSpPr>
+          <p:nvPr>
+            <p:ph type="sldNum" sz="quarter" idx="12"/>
+          </p:nvPr>
+        </p:nvSpPr>
+        <p:spPr/>
+        <p:txBody>
+          <a:bodyPr/>
+          <a:lstStyle/>
+          <a:p>
+            <a:fld id="{C1FF6DA9-008F-8B48-92A6-B652298478BF}" type="slidenum">
+              <a:rPr lang="en-US" smtClean="0"/>
+              <a:t>19</a:t>
+            </a:fld>
+            <a:endParaRPr lang="en-US"/>
+          </a:p>
+        </p:txBody>
+      </p:sp>
     </p:spTree>
   </p:cSld>
   <p:clrMapOvr>
@@ -29230,6 +29405,35 @@
               <a:rPr lang="en-US" sz="1700"/>
               <a:t>Kurose &amp; Ross (for method presentation structure).</a:t>
             </a:r>
+          </a:p>
+        </p:txBody>
+      </p:sp>
+      <p:sp>
+        <p:nvSpPr>
+          <p:cNvPr id="4" name="Slide Number Placeholder 3">
+            <a:extLst>
+              <a:ext uri="{FF2B5EF4-FFF2-40B4-BE49-F238E27FC236}">
+                <a16:creationId xmlns:a16="http://schemas.microsoft.com/office/drawing/2014/main" id="{2F6E24BD-9118-4CAB-01E2-5F2EDCB20048}"/>
+              </a:ext>
+            </a:extLst>
+          </p:cNvPr>
+          <p:cNvSpPr>
+            <a:spLocks noGrp="1"/>
+          </p:cNvSpPr>
+          <p:nvPr>
+            <p:ph type="sldNum" sz="quarter" idx="12"/>
+          </p:nvPr>
+        </p:nvSpPr>
+        <p:spPr/>
+        <p:txBody>
+          <a:bodyPr/>
+          <a:lstStyle/>
+          <a:p>
+            <a:fld id="{C1FF6DA9-008F-8B48-92A6-B652298478BF}" type="slidenum">
+              <a:rPr lang="en-US" smtClean="0"/>
+              <a:t>20</a:t>
+            </a:fld>
+            <a:endParaRPr lang="en-US"/>
           </a:p>
         </p:txBody>
       </p:sp>
